--- a/paper/graphicalAbstract.pptx
+++ b/paper/graphicalAbstract.pptx
@@ -4079,13 +4079,13 @@
         </p:nvPicPr>
         <p:blipFill rotWithShape="1">
           <a:blip r:embed="rId2"/>
-          <a:srcRect t="56547" r="50000"/>
+          <a:srcRect t="48069" r="50000"/>
           <a:stretch/>
         </p:blipFill>
         <p:spPr>
           <a:xfrm>
-            <a:off x="8625237" y="5448027"/>
-            <a:ext cx="1538313" cy="1370474"/>
+            <a:off x="8521999" y="5173255"/>
+            <a:ext cx="1538313" cy="1637872"/>
           </a:xfrm>
           <a:prstGeom prst="rect">
             <a:avLst/>
@@ -4108,7 +4108,7 @@
         </p:nvSpPr>
         <p:spPr>
           <a:xfrm>
-            <a:off x="5525262" y="5161367"/>
+            <a:off x="5540010" y="5161367"/>
             <a:ext cx="1349730" cy="288489"/>
           </a:xfrm>
           <a:prstGeom prst="rect">
@@ -4540,7 +4540,7 @@
         </p:nvSpPr>
         <p:spPr>
           <a:xfrm>
-            <a:off x="8813817" y="5147076"/>
+            <a:off x="8629474" y="5147076"/>
             <a:ext cx="1349730" cy="270000"/>
           </a:xfrm>
           <a:prstGeom prst="rect">
